--- a/presententationCS262.pptx
+++ b/presententationCS262.pptx
@@ -204,7 +204,7 @@
           <a:p>
             <a:fld id="{5B1C0425-3F59-E84D-BF7E-0F0E9CC56561}" type="datetime1">
               <a:rPr lang="en-US" smtClean="0"/>
-              <a:t>4/20/16</a:t>
+              <a:t>4/23/16</a:t>
             </a:fld>
             <a:endParaRPr lang="en-US"/>
           </a:p>
@@ -370,7 +370,7 @@
           <a:p>
             <a:fld id="{BB49C5A6-B47C-5140-8EED-57239FB7D1C7}" type="datetime1">
               <a:rPr lang="en-US" smtClean="0"/>
-              <a:t>4/20/16</a:t>
+              <a:t>4/23/16</a:t>
             </a:fld>
             <a:endParaRPr lang="en-US"/>
           </a:p>
@@ -4290,20 +4290,7 @@
                 <a:latin typeface="Palatino"/>
                 <a:cs typeface="Palatino"/>
               </a:rPr>
-              <a:t>Emma Alexander and Eric </a:t>
-            </a:r>
-            <a:r>
-              <a:rPr lang="en-US" sz="2800" b="1" dirty="0" smtClean="0">
-                <a:solidFill>
-                  <a:schemeClr val="tx1">
-                    <a:lumMod val="75000"/>
-                    <a:lumOff val="25000"/>
-                  </a:schemeClr>
-                </a:solidFill>
-                <a:latin typeface="Palatino"/>
-                <a:cs typeface="Palatino"/>
-              </a:rPr>
-              <a:t>Balkanski</a:t>
+              <a:t>Emma Alexander and Eric Balkanski</a:t>
             </a:r>
           </a:p>
           <a:p>
@@ -4344,16 +4331,6 @@
               </a:rPr>
               <a:t>CS 262 Project Presentation</a:t>
             </a:r>
-            <a:endParaRPr lang="en-US" sz="2400" dirty="0" smtClean="0">
-              <a:solidFill>
-                <a:schemeClr val="tx1">
-                  <a:lumMod val="75000"/>
-                  <a:lumOff val="25000"/>
-                </a:schemeClr>
-              </a:solidFill>
-              <a:latin typeface="Palatino"/>
-              <a:cs typeface="Palatino"/>
-            </a:endParaRPr>
           </a:p>
           <a:p>
             <a:r>
@@ -4367,20 +4344,7 @@
                 <a:latin typeface="Palatino"/>
                 <a:cs typeface="Palatino"/>
               </a:rPr>
-              <a:t>April </a:t>
-            </a:r>
-            <a:r>
-              <a:rPr lang="en-US" sz="2400" dirty="0" smtClean="0">
-                <a:solidFill>
-                  <a:schemeClr val="tx1">
-                    <a:lumMod val="75000"/>
-                    <a:lumOff val="25000"/>
-                  </a:schemeClr>
-                </a:solidFill>
-                <a:latin typeface="Palatino"/>
-                <a:cs typeface="Palatino"/>
-              </a:rPr>
-              <a:t>25</a:t>
+              <a:t>April 25</a:t>
             </a:r>
             <a:r>
               <a:rPr lang="en-US" sz="2400" baseline="30000" dirty="0" smtClean="0">
@@ -4406,20 +4370,7 @@
                 <a:latin typeface="Palatino"/>
                 <a:cs typeface="Palatino"/>
               </a:rPr>
-              <a:t>, </a:t>
-            </a:r>
-            <a:r>
-              <a:rPr lang="en-US" sz="2400" dirty="0" smtClean="0">
-                <a:solidFill>
-                  <a:schemeClr val="tx1">
-                    <a:lumMod val="75000"/>
-                    <a:lumOff val="25000"/>
-                  </a:schemeClr>
-                </a:solidFill>
-                <a:latin typeface="Palatino"/>
-                <a:cs typeface="Palatino"/>
-              </a:rPr>
-              <a:t>2016</a:t>
+              <a:t>, 2016</a:t>
             </a:r>
           </a:p>
         </p:txBody>
@@ -7207,22 +7158,30 @@
             </a:r>
             <a:r>
               <a:rPr lang="en-US" dirty="0" smtClean="0"/>
-              <a:t> is too large to: fit on single machine? </a:t>
+              <a:t> is too large to: </a:t>
             </a:r>
             <a:r>
               <a:rPr lang="en-US" dirty="0"/>
-              <a:t>t</a:t>
+              <a:t>to efficiently compute summary? </a:t>
             </a:r>
             <a:r>
               <a:rPr lang="en-US" dirty="0" smtClean="0"/>
-              <a:t>o efficiently compute summary? </a:t>
-            </a:r>
-            <a:endParaRPr lang="en-US" dirty="0"/>
-          </a:p>
-          <a:p>
+              <a:t>fit </a:t>
+            </a:r>
             <a:r>
               <a:rPr lang="en-US" dirty="0" smtClean="0"/>
-              <a:t>Distributed approach: </a:t>
+              <a:t>on single machine? </a:t>
+            </a:r>
+            <a:endParaRPr lang="en-US" dirty="0" smtClean="0"/>
+          </a:p>
+          <a:p>
+            <a:r>
+              <a:rPr lang="en-US" dirty="0" smtClean="0"/>
+              <a:t>Distributed </a:t>
+            </a:r>
+            <a:r>
+              <a:rPr lang="en-US" dirty="0" smtClean="0"/>
+              <a:t>approach: </a:t>
             </a:r>
             <a:r>
               <a:rPr lang="en-US" sz="1600" dirty="0" smtClean="0">
@@ -7484,12 +7443,69 @@
         </p:nvSpPr>
         <p:spPr/>
         <p:txBody>
-          <a:bodyPr/>
+          <a:bodyPr>
+            <a:normAutofit fontScale="92500" lnSpcReduction="10000"/>
+          </a:bodyPr>
           <a:lstStyle/>
           <a:p>
+            <a:pPr marL="0" indent="0">
+              <a:buNone/>
+            </a:pPr>
+            <a:r>
+              <a:rPr lang="en-US" dirty="0"/>
+              <a:t>A</a:t>
+            </a:r>
             <a:r>
               <a:rPr lang="en-US" dirty="0" smtClean="0"/>
-              <a:t>Approximation ratio </a:t>
+              <a:t>s </a:t>
+            </a:r>
+            <a:r>
+              <a:rPr lang="en-US" dirty="0"/>
+              <a:t>number of machines m       </a:t>
+            </a:r>
+            <a:r>
+              <a:rPr lang="is-IS" dirty="0" smtClean="0"/>
+              <a:t>…</a:t>
+            </a:r>
+            <a:endParaRPr lang="en-US" dirty="0"/>
+          </a:p>
+          <a:p>
+            <a:pPr marL="0" indent="0">
+              <a:buNone/>
+            </a:pPr>
+            <a:endParaRPr lang="en-US" dirty="0" smtClean="0"/>
+          </a:p>
+          <a:p>
+            <a:r>
+              <a:rPr lang="en-US" dirty="0"/>
+              <a:t>Runtime</a:t>
+            </a:r>
+          </a:p>
+          <a:p>
+            <a:endParaRPr lang="en-US" dirty="0"/>
+          </a:p>
+          <a:p>
+            <a:r>
+              <a:rPr lang="en-US" dirty="0"/>
+              <a:t>Memory per </a:t>
+            </a:r>
+            <a:r>
+              <a:rPr lang="en-US" dirty="0" smtClean="0"/>
+              <a:t>machine</a:t>
+            </a:r>
+            <a:endParaRPr lang="en-US" dirty="0" smtClean="0"/>
+          </a:p>
+          <a:p>
+            <a:endParaRPr lang="en-US" dirty="0"/>
+          </a:p>
+          <a:p>
+            <a:r>
+              <a:rPr lang="en-US" dirty="0" smtClean="0"/>
+              <a:t>Approximation </a:t>
+            </a:r>
+            <a:r>
+              <a:rPr lang="en-US" dirty="0" smtClean="0"/>
+              <a:t>ratio </a:t>
             </a:r>
             <a:r>
               <a:rPr lang="en-US" i="1" dirty="0" smtClean="0">
@@ -7553,21 +7569,6 @@
             <a:endParaRPr lang="en-US" dirty="0"/>
           </a:p>
           <a:p>
-            <a:r>
-              <a:rPr lang="en-US" dirty="0" smtClean="0"/>
-              <a:t>Runtime</a:t>
-            </a:r>
-          </a:p>
-          <a:p>
-            <a:endParaRPr lang="en-US" dirty="0"/>
-          </a:p>
-          <a:p>
-            <a:r>
-              <a:rPr lang="en-US" dirty="0" smtClean="0"/>
-              <a:t>Memory per machine</a:t>
-            </a:r>
-          </a:p>
-          <a:p>
             <a:endParaRPr lang="en-US" dirty="0"/>
           </a:p>
           <a:p>
@@ -7576,7 +7577,7 @@
             </a:pPr>
             <a:r>
               <a:rPr lang="en-US" dirty="0" smtClean="0"/>
-              <a:t>                               … as number of machines m       </a:t>
+              <a:t>                               </a:t>
             </a:r>
             <a:endParaRPr lang="en-US" dirty="0"/>
           </a:p>
@@ -7636,7 +7637,7 @@
         </p:nvCxnSpPr>
         <p:spPr>
           <a:xfrm flipV="1">
-            <a:off x="6146800" y="4937760"/>
+            <a:off x="3464560" y="1600200"/>
             <a:ext cx="256540" cy="284480"/>
           </a:xfrm>
           <a:prstGeom prst="straightConnector1">
@@ -7669,7 +7670,7 @@
         </p:nvCxnSpPr>
         <p:spPr>
           <a:xfrm flipV="1">
-            <a:off x="6146800" y="2042160"/>
+            <a:off x="6146800" y="4490720"/>
             <a:ext cx="256540" cy="284480"/>
           </a:xfrm>
           <a:prstGeom prst="straightConnector1">
@@ -7705,7 +7706,7 @@
         </p:nvCxnSpPr>
         <p:spPr>
           <a:xfrm flipV="1">
-            <a:off x="6146800" y="2692400"/>
+            <a:off x="6146800" y="3840480"/>
             <a:ext cx="256540" cy="284480"/>
           </a:xfrm>
           <a:prstGeom prst="straightConnector1">
@@ -7741,7 +7742,7 @@
         </p:nvCxnSpPr>
         <p:spPr>
           <a:xfrm>
-            <a:off x="6146800" y="3454400"/>
+            <a:off x="6146800" y="2255520"/>
             <a:ext cx="256540" cy="284480"/>
           </a:xfrm>
           <a:prstGeom prst="straightConnector1">
@@ -7777,7 +7778,7 @@
         </p:nvCxnSpPr>
         <p:spPr>
           <a:xfrm>
-            <a:off x="6146800" y="4155440"/>
+            <a:off x="6146800" y="2987040"/>
             <a:ext cx="256540" cy="284480"/>
           </a:xfrm>
           <a:prstGeom prst="straightConnector1">
@@ -7849,7 +7850,7 @@
                                           </p:stCondLst>
                                         </p:cTn>
                                         <p:tgtEl>
-                                          <p:spTgt spid="7"/>
+                                          <p:spTgt spid="16"/>
                                         </p:tgtEl>
                                         <p:attrNameLst>
                                           <p:attrName>style.visibility</p:attrName>
@@ -7876,7 +7877,7 @@
                                           </p:stCondLst>
                                         </p:cTn>
                                         <p:tgtEl>
-                                          <p:spTgt spid="16"/>
+                                          <p:spTgt spid="13"/>
                                         </p:tgtEl>
                                         <p:attrNameLst>
                                           <p:attrName>style.visibility</p:attrName>
@@ -7903,7 +7904,7 @@
                                           </p:stCondLst>
                                         </p:cTn>
                                         <p:tgtEl>
-                                          <p:spTgt spid="13"/>
+                                          <p:spTgt spid="12"/>
                                         </p:tgtEl>
                                         <p:attrNameLst>
                                           <p:attrName>style.visibility</p:attrName>
@@ -7930,65 +7931,7 @@
                                           </p:stCondLst>
                                         </p:cTn>
                                         <p:tgtEl>
-                                          <p:spTgt spid="12"/>
-                                        </p:tgtEl>
-                                        <p:attrNameLst>
-                                          <p:attrName>style.visibility</p:attrName>
-                                        </p:attrNameLst>
-                                      </p:cBhvr>
-                                      <p:to>
-                                        <p:strVal val="visible"/>
-                                      </p:to>
-                                    </p:set>
-                                  </p:childTnLst>
-                                </p:cTn>
-                              </p:par>
-                              <p:par>
-                                <p:cTn id="13" presetID="1" presetClass="entr" presetSubtype="0" fill="hold" nodeType="withEffect">
-                                  <p:stCondLst>
-                                    <p:cond delay="0"/>
-                                  </p:stCondLst>
-                                  <p:childTnLst>
-                                    <p:set>
-                                      <p:cBhvr>
-                                        <p:cTn id="14" dur="1" fill="hold">
-                                          <p:stCondLst>
-                                            <p:cond delay="0"/>
-                                          </p:stCondLst>
-                                        </p:cTn>
-                                        <p:tgtEl>
                                           <p:spTgt spid="11"/>
-                                        </p:tgtEl>
-                                        <p:attrNameLst>
-                                          <p:attrName>style.visibility</p:attrName>
-                                        </p:attrNameLst>
-                                      </p:cBhvr>
-                                      <p:to>
-                                        <p:strVal val="visible"/>
-                                      </p:to>
-                                    </p:set>
-                                  </p:childTnLst>
-                                </p:cTn>
-                              </p:par>
-                              <p:par>
-                                <p:cTn id="15" presetID="1" presetClass="entr" presetSubtype="0" fill="hold" nodeType="withEffect">
-                                  <p:stCondLst>
-                                    <p:cond delay="0"/>
-                                  </p:stCondLst>
-                                  <p:childTnLst>
-                                    <p:set>
-                                      <p:cBhvr>
-                                        <p:cTn id="16" dur="1" fill="hold">
-                                          <p:stCondLst>
-                                            <p:cond delay="0"/>
-                                          </p:stCondLst>
-                                        </p:cTn>
-                                        <p:tgtEl>
-                                          <p:spTgt spid="3">
-                                            <p:txEl>
-                                              <p:pRg st="9" end="9"/>
-                                            </p:txEl>
-                                          </p:spTgt>
                                         </p:tgtEl>
                                         <p:attrNameLst>
                                           <p:attrName>style.visibility</p:attrName>
@@ -8489,8 +8432,9 @@
             </a:r>
             <a:r>
               <a:rPr lang="en-US" dirty="0" smtClean="0"/>
-              <a:t> </a:t>
-            </a:r>
+              <a:t>to central machine</a:t>
+            </a:r>
+            <a:endParaRPr lang="en-US" dirty="0" smtClean="0"/>
           </a:p>
           <a:p>
             <a:pPr marL="400050" lvl="1" indent="0">
@@ -9244,6 +9188,24 @@
           <a:p>
             <a:pPr lvl="1"/>
             <a:r>
+              <a:rPr lang="en-US" i="1" dirty="0" smtClean="0">
+                <a:latin typeface="Palatino"/>
+                <a:cs typeface="Palatino"/>
+              </a:rPr>
+              <a:t>T+1</a:t>
+            </a:r>
+            <a:r>
+              <a:rPr lang="en-US" dirty="0" smtClean="0"/>
+              <a:t> </a:t>
+            </a:r>
+            <a:r>
+              <a:rPr lang="en-US" dirty="0" smtClean="0"/>
+              <a:t>replicas of each element on different machines</a:t>
+            </a:r>
+          </a:p>
+          <a:p>
+            <a:pPr lvl="2"/>
+            <a:r>
               <a:rPr lang="en-US" i="1" dirty="0">
                 <a:latin typeface="Palatino"/>
                 <a:cs typeface="Palatino"/>
@@ -9252,63 +9214,53 @@
             </a:r>
             <a:r>
               <a:rPr lang="en-US" dirty="0" smtClean="0"/>
-              <a:t> replicas of each element on different machines</a:t>
+              <a:t> </a:t>
+            </a:r>
+            <a:r>
+              <a:rPr lang="en-US" dirty="0"/>
+              <a:t>fault tolerance          </a:t>
             </a:r>
           </a:p>
           <a:p>
             <a:pPr lvl="2"/>
             <a:r>
-              <a:rPr lang="en-US" i="1" dirty="0">
+              <a:rPr lang="en-US" dirty="0" smtClean="0"/>
+              <a:t>Memory per machine</a:t>
+            </a:r>
+            <a:endParaRPr lang="en-US" dirty="0"/>
+          </a:p>
+          <a:p>
+            <a:endParaRPr lang="en-US" dirty="0" smtClean="0"/>
+          </a:p>
+          <a:p>
+            <a:r>
+              <a:rPr lang="en-US" dirty="0" smtClean="0"/>
+              <a:t>On central machine, either</a:t>
+            </a:r>
+          </a:p>
+          <a:p>
+            <a:pPr lvl="1"/>
+            <a:r>
+              <a:rPr lang="en-US" dirty="0" smtClean="0"/>
+              <a:t>leader election</a:t>
+            </a:r>
+          </a:p>
+          <a:p>
+            <a:pPr lvl="1"/>
+            <a:r>
+              <a:rPr lang="en-US" i="1" dirty="0" smtClean="0">
                 <a:latin typeface="Palatino"/>
                 <a:cs typeface="Palatino"/>
               </a:rPr>
-              <a:t>T</a:t>
+              <a:t>T+1</a:t>
             </a:r>
             <a:r>
               <a:rPr lang="en-US" dirty="0" smtClean="0"/>
               <a:t> </a:t>
             </a:r>
             <a:r>
-              <a:rPr lang="en-US" dirty="0"/>
-              <a:t>fault tolerance          </a:t>
-            </a:r>
-          </a:p>
-          <a:p>
-            <a:pPr lvl="2"/>
-            <a:r>
               <a:rPr lang="en-US" dirty="0" smtClean="0"/>
-              <a:t>Memory per machine</a:t>
-            </a:r>
-            <a:endParaRPr lang="en-US" dirty="0"/>
-          </a:p>
-          <a:p>
-            <a:endParaRPr lang="en-US" dirty="0" smtClean="0"/>
-          </a:p>
-          <a:p>
-            <a:r>
-              <a:rPr lang="en-US" dirty="0" smtClean="0"/>
-              <a:t>On central machine, either</a:t>
-            </a:r>
-          </a:p>
-          <a:p>
-            <a:pPr lvl="1"/>
-            <a:r>
-              <a:rPr lang="en-US" dirty="0" smtClean="0"/>
-              <a:t>leader election</a:t>
-            </a:r>
-          </a:p>
-          <a:p>
-            <a:pPr lvl="1"/>
-            <a:r>
-              <a:rPr lang="en-US" i="1" dirty="0">
-                <a:latin typeface="Palatino"/>
-                <a:cs typeface="Palatino"/>
-              </a:rPr>
-              <a:t>T</a:t>
-            </a:r>
-            <a:r>
-              <a:rPr lang="en-US" dirty="0" smtClean="0"/>
-              <a:t> replicas of central machine</a:t>
+              <a:t>replicas of central machine</a:t>
             </a:r>
             <a:endParaRPr lang="en-US" dirty="0"/>
           </a:p>

--- a/presententationCS262.pptx
+++ b/presententationCS262.pptx
@@ -204,7 +204,7 @@
           <a:p>
             <a:fld id="{5B1C0425-3F59-E84D-BF7E-0F0E9CC56561}" type="datetime1">
               <a:rPr lang="en-US" smtClean="0"/>
-              <a:t>4/23/16</a:t>
+              <a:t>4/25/16</a:t>
             </a:fld>
             <a:endParaRPr lang="en-US"/>
           </a:p>
@@ -370,7 +370,7 @@
           <a:p>
             <a:fld id="{BB49C5A6-B47C-5140-8EED-57239FB7D1C7}" type="datetime1">
               <a:rPr lang="en-US" smtClean="0"/>
-              <a:t>4/23/16</a:t>
+              <a:t>4/25/16</a:t>
             </a:fld>
             <a:endParaRPr lang="en-US"/>
           </a:p>
@@ -7166,22 +7166,21 @@
             </a:r>
             <a:r>
               <a:rPr lang="en-US" dirty="0" smtClean="0"/>
-              <a:t>fit </a:t>
-            </a:r>
+              <a:t>fit on single machine? </a:t>
+            </a:r>
+          </a:p>
+          <a:p>
             <a:r>
               <a:rPr lang="en-US" dirty="0" smtClean="0"/>
-              <a:t>on single machine? </a:t>
-            </a:r>
-            <a:endParaRPr lang="en-US" dirty="0" smtClean="0"/>
-          </a:p>
-          <a:p>
+              <a:t>Distributed approach: </a:t>
+            </a:r>
             <a:r>
               <a:rPr lang="en-US" dirty="0" smtClean="0"/>
-              <a:t>Distributed </a:t>
-            </a:r>
-            <a:r>
-              <a:rPr lang="en-US" dirty="0" smtClean="0"/>
-              <a:t>approach: </a:t>
+              <a:t>with </a:t>
+            </a:r>
+            <a:r>
+              <a:rPr lang="en-US" smtClean="0"/>
+              <a:t>MapReduce </a:t>
             </a:r>
             <a:r>
               <a:rPr lang="en-US" sz="1600" dirty="0" smtClean="0">
@@ -7493,7 +7492,6 @@
               <a:rPr lang="en-US" dirty="0" smtClean="0"/>
               <a:t>machine</a:t>
             </a:r>
-            <a:endParaRPr lang="en-US" dirty="0" smtClean="0"/>
           </a:p>
           <a:p>
             <a:endParaRPr lang="en-US" dirty="0"/>
@@ -7501,11 +7499,7 @@
           <a:p>
             <a:r>
               <a:rPr lang="en-US" dirty="0" smtClean="0"/>
-              <a:t>Approximation </a:t>
-            </a:r>
-            <a:r>
-              <a:rPr lang="en-US" dirty="0" smtClean="0"/>
-              <a:t>ratio </a:t>
+              <a:t>Approximation ratio </a:t>
             </a:r>
             <a:r>
               <a:rPr lang="en-US" i="1" dirty="0" smtClean="0">
@@ -8434,7 +8428,6 @@
               <a:rPr lang="en-US" dirty="0" smtClean="0"/>
               <a:t>to central machine</a:t>
             </a:r>
-            <a:endParaRPr lang="en-US" dirty="0" smtClean="0"/>
           </a:p>
           <a:p>
             <a:pPr marL="400050" lvl="1" indent="0">
@@ -9196,11 +9189,7 @@
             </a:r>
             <a:r>
               <a:rPr lang="en-US" dirty="0" smtClean="0"/>
-              <a:t> </a:t>
-            </a:r>
-            <a:r>
-              <a:rPr lang="en-US" dirty="0" smtClean="0"/>
-              <a:t>replicas of each element on different machines</a:t>
+              <a:t> replicas of each element on different machines</a:t>
             </a:r>
           </a:p>
           <a:p>
@@ -9256,11 +9245,7 @@
             </a:r>
             <a:r>
               <a:rPr lang="en-US" dirty="0" smtClean="0"/>
-              <a:t> </a:t>
-            </a:r>
-            <a:r>
-              <a:rPr lang="en-US" dirty="0" smtClean="0"/>
-              <a:t>replicas of central machine</a:t>
+              <a:t> replicas of central machine</a:t>
             </a:r>
             <a:endParaRPr lang="en-US" dirty="0"/>
           </a:p>
